--- a/Asakura/RNN_learning_group.pptx
+++ b/Asakura/RNN_learning_group.pptx
@@ -42,8 +42,12 @@
     <p:sldId id="297" r:id="rId36"/>
     <p:sldId id="298" r:id="rId37"/>
     <p:sldId id="300" r:id="rId38"/>
-    <p:sldId id="301" r:id="rId39"/>
-    <p:sldId id="302" r:id="rId40"/>
+    <p:sldId id="303" r:id="rId39"/>
+    <p:sldId id="304" r:id="rId40"/>
+    <p:sldId id="305" r:id="rId41"/>
+    <p:sldId id="306" r:id="rId42"/>
+    <p:sldId id="301" r:id="rId43"/>
+    <p:sldId id="302" r:id="rId44"/>
   </p:sldIdLst>
   <p:sldSz cx="12192000" cy="6858000"/>
   <p:notesSz cx="6858000" cy="9144000"/>
@@ -281,7 +285,7 @@
           <a:p>
             <a:fld id="{F41192FC-E74C-2441-B3D9-33C2345682BA}" type="datetimeFigureOut">
               <a:rPr lang="en-US" smtClean="0"/>
-              <a:t>10/30/18</a:t>
+              <a:t>11/23/18</a:t>
             </a:fld>
             <a:endParaRPr lang="en-US"/>
           </a:p>
@@ -451,7 +455,7 @@
           <a:p>
             <a:fld id="{F41192FC-E74C-2441-B3D9-33C2345682BA}" type="datetimeFigureOut">
               <a:rPr lang="en-US" smtClean="0"/>
-              <a:t>10/30/18</a:t>
+              <a:t>11/23/18</a:t>
             </a:fld>
             <a:endParaRPr lang="en-US"/>
           </a:p>
@@ -631,7 +635,7 @@
           <a:p>
             <a:fld id="{F41192FC-E74C-2441-B3D9-33C2345682BA}" type="datetimeFigureOut">
               <a:rPr lang="en-US" smtClean="0"/>
-              <a:t>10/30/18</a:t>
+              <a:t>11/23/18</a:t>
             </a:fld>
             <a:endParaRPr lang="en-US"/>
           </a:p>
@@ -801,7 +805,7 @@
           <a:p>
             <a:fld id="{F41192FC-E74C-2441-B3D9-33C2345682BA}" type="datetimeFigureOut">
               <a:rPr lang="en-US" smtClean="0"/>
-              <a:t>10/30/18</a:t>
+              <a:t>11/23/18</a:t>
             </a:fld>
             <a:endParaRPr lang="en-US"/>
           </a:p>
@@ -1047,7 +1051,7 @@
           <a:p>
             <a:fld id="{F41192FC-E74C-2441-B3D9-33C2345682BA}" type="datetimeFigureOut">
               <a:rPr lang="en-US" smtClean="0"/>
-              <a:t>10/30/18</a:t>
+              <a:t>11/23/18</a:t>
             </a:fld>
             <a:endParaRPr lang="en-US"/>
           </a:p>
@@ -1279,7 +1283,7 @@
           <a:p>
             <a:fld id="{F41192FC-E74C-2441-B3D9-33C2345682BA}" type="datetimeFigureOut">
               <a:rPr lang="en-US" smtClean="0"/>
-              <a:t>10/30/18</a:t>
+              <a:t>11/23/18</a:t>
             </a:fld>
             <a:endParaRPr lang="en-US"/>
           </a:p>
@@ -1646,7 +1650,7 @@
           <a:p>
             <a:fld id="{F41192FC-E74C-2441-B3D9-33C2345682BA}" type="datetimeFigureOut">
               <a:rPr lang="en-US" smtClean="0"/>
-              <a:t>10/30/18</a:t>
+              <a:t>11/23/18</a:t>
             </a:fld>
             <a:endParaRPr lang="en-US"/>
           </a:p>
@@ -1764,7 +1768,7 @@
           <a:p>
             <a:fld id="{F41192FC-E74C-2441-B3D9-33C2345682BA}" type="datetimeFigureOut">
               <a:rPr lang="en-US" smtClean="0"/>
-              <a:t>10/30/18</a:t>
+              <a:t>11/23/18</a:t>
             </a:fld>
             <a:endParaRPr lang="en-US"/>
           </a:p>
@@ -1859,7 +1863,7 @@
           <a:p>
             <a:fld id="{F41192FC-E74C-2441-B3D9-33C2345682BA}" type="datetimeFigureOut">
               <a:rPr lang="en-US" smtClean="0"/>
-              <a:t>10/30/18</a:t>
+              <a:t>11/23/18</a:t>
             </a:fld>
             <a:endParaRPr lang="en-US"/>
           </a:p>
@@ -2136,7 +2140,7 @@
           <a:p>
             <a:fld id="{F41192FC-E74C-2441-B3D9-33C2345682BA}" type="datetimeFigureOut">
               <a:rPr lang="en-US" smtClean="0"/>
-              <a:t>10/30/18</a:t>
+              <a:t>11/23/18</a:t>
             </a:fld>
             <a:endParaRPr lang="en-US"/>
           </a:p>
@@ -2389,7 +2393,7 @@
           <a:p>
             <a:fld id="{F41192FC-E74C-2441-B3D9-33C2345682BA}" type="datetimeFigureOut">
               <a:rPr lang="en-US" smtClean="0"/>
-              <a:t>10/30/18</a:t>
+              <a:t>11/23/18</a:t>
             </a:fld>
             <a:endParaRPr lang="en-US"/>
           </a:p>
@@ -2602,7 +2606,7 @@
           <a:p>
             <a:fld id="{F41192FC-E74C-2441-B3D9-33C2345682BA}" type="datetimeFigureOut">
               <a:rPr lang="en-US" smtClean="0"/>
-              <a:t>10/30/18</a:t>
+              <a:t>11/23/18</a:t>
             </a:fld>
             <a:endParaRPr lang="en-US"/>
           </a:p>
@@ -17624,7 +17628,7 @@
             <a:spLocks noGrp="1"/>
           </p:cNvSpPr>
           <p:nvPr>
-            <p:ph type="title"/>
+            <p:ph type="ctrTitle"/>
           </p:nvPr>
         </p:nvSpPr>
         <p:spPr/>
@@ -17632,33 +17636,74 @@
           <a:bodyPr/>
           <a:lstStyle/>
           <a:p>
-            <a:endParaRPr lang="en-US"/>
+            <a:r>
+              <a:rPr lang="en-US" dirty="0" smtClean="0"/>
+              <a:t>10</a:t>
+            </a:r>
+            <a:r>
+              <a:rPr lang="ja-JP" altLang="en-US" dirty="0" smtClean="0"/>
+              <a:t>章</a:t>
+            </a:r>
+            <a:endParaRPr lang="en-US" dirty="0"/>
           </a:p>
         </p:txBody>
       </p:sp>
       <p:sp>
         <p:nvSpPr>
-          <p:cNvPr id="3" name="Content Placeholder 2"/>
+          <p:cNvPr id="3" name="Subtitle 2"/>
           <p:cNvSpPr>
             <a:spLocks noGrp="1"/>
           </p:cNvSpPr>
           <p:nvPr>
-            <p:ph idx="1"/>
+            <p:ph type="subTitle" idx="1"/>
           </p:nvPr>
         </p:nvSpPr>
-        <p:spPr/>
+        <p:spPr>
+          <a:xfrm>
+            <a:off x="4983480" y="3870960"/>
+            <a:ext cx="5318760" cy="1203960"/>
+          </a:xfrm>
+        </p:spPr>
         <p:txBody>
-          <a:bodyPr/>
+          <a:bodyPr>
+            <a:normAutofit/>
+          </a:bodyPr>
           <a:lstStyle/>
           <a:p>
-            <a:endParaRPr lang="en-US"/>
+            <a:r>
+              <a:rPr lang="en-US" dirty="0" smtClean="0"/>
+              <a:t>Toshiaki </a:t>
+            </a:r>
+            <a:r>
+              <a:rPr lang="en-US" dirty="0" err="1" smtClean="0"/>
+              <a:t>Asakura</a:t>
+            </a:r>
+            <a:r>
+              <a:rPr lang="en-US" dirty="0" smtClean="0"/>
+              <a:t> </a:t>
+            </a:r>
+          </a:p>
+          <a:p>
+            <a:r>
+              <a:rPr lang="en-US" dirty="0" err="1" smtClean="0"/>
+              <a:t>Tabata</a:t>
+            </a:r>
+            <a:r>
+              <a:rPr lang="en-US" dirty="0" smtClean="0"/>
+              <a:t> </a:t>
+            </a:r>
+            <a:r>
+              <a:rPr lang="en-US" dirty="0" err="1" smtClean="0"/>
+              <a:t>Youtarou</a:t>
+            </a:r>
+            <a:endParaRPr lang="en-US" dirty="0"/>
           </a:p>
         </p:txBody>
       </p:sp>
     </p:spTree>
     <p:extLst>
       <p:ext uri="{BB962C8B-B14F-4D97-AF65-F5344CB8AC3E}">
-        <p14:creationId xmlns:p14="http://schemas.microsoft.com/office/powerpoint/2010/main" val="511495776"/>
+        <p14:creationId xmlns:p14="http://schemas.microsoft.com/office/powerpoint/2010/main" val="1005482213"/>
       </p:ext>
     </p:extLst>
   </p:cSld>
@@ -17687,46 +17732,277 @@
       </p:grpSpPr>
       <p:sp>
         <p:nvSpPr>
-          <p:cNvPr id="2" name="Title 1"/>
-          <p:cNvSpPr>
-            <a:spLocks noGrp="1"/>
-          </p:cNvSpPr>
-          <p:nvPr>
-            <p:ph type="title"/>
-          </p:nvPr>
+          <p:cNvPr id="4" name="TextBox 3"/>
+          <p:cNvSpPr txBox="1"/>
+          <p:nvPr/>
         </p:nvSpPr>
-        <p:spPr/>
+        <p:spPr>
+          <a:xfrm>
+            <a:off x="0" y="0"/>
+            <a:ext cx="12036490" cy="5355312"/>
+          </a:xfrm>
+          <a:prstGeom prst="rect">
+            <a:avLst/>
+          </a:prstGeom>
+          <a:noFill/>
+        </p:spPr>
         <p:txBody>
-          <a:bodyPr/>
+          <a:bodyPr wrap="square" rtlCol="0">
+            <a:spAutoFit/>
+          </a:bodyPr>
           <a:lstStyle/>
           <a:p>
-            <a:endParaRPr lang="en-US"/>
-          </a:p>
-        </p:txBody>
-      </p:sp>
-      <p:sp>
-        <p:nvSpPr>
-          <p:cNvPr id="3" name="Content Placeholder 2"/>
-          <p:cNvSpPr>
-            <a:spLocks noGrp="1"/>
-          </p:cNvSpPr>
-          <p:nvPr>
-            <p:ph idx="1"/>
-          </p:nvPr>
-        </p:nvSpPr>
-        <p:spPr/>
-        <p:txBody>
-          <a:bodyPr/>
-          <a:lstStyle/>
-          <a:p>
-            <a:endParaRPr lang="en-US"/>
+            <a:r>
+              <a:rPr lang="en-US" dirty="0" smtClean="0"/>
+              <a:t>-</a:t>
+            </a:r>
+            <a:r>
+              <a:rPr lang="ja-JP" altLang="en-US" dirty="0" smtClean="0"/>
+              <a:t>古典的なパーセプトロン</a:t>
+            </a:r>
+            <a:r>
+              <a:rPr lang="en-US" altLang="ja-JP" dirty="0" smtClean="0"/>
+              <a:t>(</a:t>
+            </a:r>
+            <a:r>
+              <a:rPr lang="ja-JP" altLang="en-US" dirty="0" smtClean="0"/>
+              <a:t>単層の</a:t>
+            </a:r>
+            <a:r>
+              <a:rPr lang="en-US" altLang="ja-JP" dirty="0" smtClean="0"/>
+              <a:t>LTU)</a:t>
+            </a:r>
+            <a:r>
+              <a:rPr lang="ja-JP" altLang="en-US" dirty="0" smtClean="0"/>
+              <a:t>よりもロジスティック回帰分類を使った方が良いのはなぜか？</a:t>
+            </a:r>
+          </a:p>
+          <a:p>
+            <a:r>
+              <a:rPr lang="ja-JP" altLang="en-US" dirty="0"/>
+              <a:t>	</a:t>
+            </a:r>
+            <a:r>
+              <a:rPr lang="ja-JP" altLang="en-US" dirty="0" smtClean="0"/>
+              <a:t>単層の</a:t>
+            </a:r>
+            <a:r>
+              <a:rPr lang="en-US" altLang="ja-JP" dirty="0" smtClean="0"/>
+              <a:t>LTU</a:t>
+            </a:r>
+            <a:r>
+              <a:rPr lang="ja-JP" altLang="en-US" dirty="0" smtClean="0"/>
+              <a:t>は線形分離可能な時にのみ収束可能、かつ各クラスに属する確率は算出できない。</a:t>
+            </a:r>
+          </a:p>
+          <a:p>
+            <a:r>
+              <a:rPr lang="ja-JP" altLang="en-US" dirty="0"/>
+              <a:t>	</a:t>
+            </a:r>
+            <a:r>
+              <a:rPr lang="ja-JP" altLang="en-US" dirty="0" smtClean="0"/>
+              <a:t>ロジスティック回帰分類は線形分離可能でなくとも収束し、各クラスに属する確率を算出できる。</a:t>
+            </a:r>
+          </a:p>
+          <a:p>
+            <a:endParaRPr lang="ja-JP" altLang="en-US" dirty="0"/>
+          </a:p>
+          <a:p>
+            <a:r>
+              <a:rPr lang="en-US" dirty="0" smtClean="0"/>
+              <a:t>-</a:t>
+            </a:r>
+            <a:r>
+              <a:rPr lang="ja-JP" altLang="en-US" dirty="0" smtClean="0"/>
+              <a:t>古典的なパーセプトロンをロジスティック回帰分類と同等にするためにはどうすれば良いか？</a:t>
+            </a:r>
+          </a:p>
+          <a:p>
+            <a:r>
+              <a:rPr lang="ja-JP" altLang="en-US" dirty="0"/>
+              <a:t>	</a:t>
+            </a:r>
+            <a:r>
+              <a:rPr lang="ja-JP" altLang="en-US" dirty="0" smtClean="0"/>
+              <a:t>活性化関数をロジスティック活性化関数、クラスが複数あれば</a:t>
+            </a:r>
+            <a:r>
+              <a:rPr lang="en-US" altLang="ja-JP" dirty="0" err="1" smtClean="0"/>
+              <a:t>softmax</a:t>
+            </a:r>
+            <a:r>
+              <a:rPr lang="ja-JP" altLang="en-US" dirty="0" smtClean="0"/>
+              <a:t>関数を用いる。</a:t>
+            </a:r>
+            <a:endParaRPr lang="en-US" altLang="ja-JP" dirty="0" smtClean="0"/>
+          </a:p>
+          <a:p>
+            <a:endParaRPr lang="en-US" altLang="ja-JP" dirty="0"/>
+          </a:p>
+          <a:p>
+            <a:r>
+              <a:rPr lang="en-US" altLang="ja-JP" dirty="0" smtClean="0"/>
+              <a:t>-</a:t>
+            </a:r>
+            <a:r>
+              <a:rPr lang="ja-JP" altLang="en-US" dirty="0" smtClean="0"/>
+              <a:t>最初の</a:t>
+            </a:r>
+            <a:r>
+              <a:rPr lang="en-US" altLang="ja-JP" dirty="0" smtClean="0"/>
+              <a:t>MLP</a:t>
+            </a:r>
+            <a:r>
+              <a:rPr lang="ja-JP" altLang="en-US" dirty="0" smtClean="0"/>
+              <a:t>の訓練でロジスティック活性化関数が重要な構成要素だった理由は？</a:t>
+            </a:r>
+          </a:p>
+          <a:p>
+            <a:r>
+              <a:rPr lang="ja-JP" altLang="en-US" dirty="0"/>
+              <a:t>	</a:t>
+            </a:r>
+            <a:r>
+              <a:rPr lang="en-US" altLang="ja-JP" dirty="0" smtClean="0"/>
+              <a:t>-</a:t>
+            </a:r>
+            <a:r>
+              <a:rPr lang="ja-JP" altLang="en-US" dirty="0" smtClean="0"/>
+              <a:t>バックプロパゲーションでロジスティック活性化関数を用いると全ての点において非</a:t>
+            </a:r>
+            <a:r>
+              <a:rPr lang="en-US" altLang="ja-JP" dirty="0" smtClean="0"/>
+              <a:t>0</a:t>
+            </a:r>
+            <a:r>
+              <a:rPr lang="ja-JP" altLang="en-US" dirty="0" smtClean="0"/>
+              <a:t>の傾きが得られるために</a:t>
+            </a:r>
+            <a:endParaRPr lang="en-US" altLang="ja-JP" dirty="0" smtClean="0"/>
+          </a:p>
+          <a:p>
+            <a:r>
+              <a:rPr lang="en-US" dirty="0"/>
+              <a:t>	</a:t>
+            </a:r>
+            <a:r>
+              <a:rPr lang="ja-JP" altLang="en-US" dirty="0" smtClean="0"/>
+              <a:t>各ステップで前進することができるから。</a:t>
+            </a:r>
+            <a:endParaRPr lang="en-US" altLang="ja-JP" dirty="0" smtClean="0"/>
+          </a:p>
+          <a:p>
+            <a:r>
+              <a:rPr lang="en-US" dirty="0" smtClean="0"/>
+              <a:t>	-</a:t>
+            </a:r>
+            <a:r>
+              <a:rPr lang="ja-JP" altLang="en-US" dirty="0" smtClean="0"/>
+              <a:t>背景としては昔は活性化関数としては</a:t>
+            </a:r>
+            <a:r>
+              <a:rPr lang="en-US" altLang="ja-JP" dirty="0" smtClean="0"/>
+              <a:t>step</a:t>
+            </a:r>
+            <a:r>
+              <a:rPr lang="ja-JP" altLang="en-US" dirty="0" smtClean="0"/>
+              <a:t>関数を用いるのが一般的だったため、</a:t>
+            </a:r>
+            <a:endParaRPr lang="en-US" altLang="ja-JP" dirty="0" smtClean="0"/>
+          </a:p>
+          <a:p>
+            <a:r>
+              <a:rPr lang="en-US" altLang="ja-JP" dirty="0"/>
+              <a:t>	</a:t>
+            </a:r>
+            <a:r>
+              <a:rPr lang="ja-JP" altLang="en-US" dirty="0" smtClean="0"/>
+              <a:t>傾きが算出できないことが問題であった。</a:t>
+            </a:r>
+            <a:endParaRPr lang="en-US" dirty="0"/>
+          </a:p>
+          <a:p>
+            <a:endParaRPr lang="en-US" dirty="0" smtClean="0"/>
+          </a:p>
+          <a:p>
+            <a:r>
+              <a:rPr lang="en-US" dirty="0" smtClean="0"/>
+              <a:t>-Broadcast </a:t>
+            </a:r>
+            <a:r>
+              <a:rPr lang="ja-JP" altLang="en-US" dirty="0" smtClean="0"/>
+              <a:t>とは？</a:t>
+            </a:r>
+          </a:p>
+          <a:p>
+            <a:r>
+              <a:rPr lang="ja-JP" altLang="en-US" dirty="0"/>
+              <a:t>	</a:t>
+            </a:r>
+            <a:r>
+              <a:rPr lang="en-US" altLang="ja-JP" dirty="0" smtClean="0"/>
+              <a:t>1</a:t>
+            </a:r>
+            <a:r>
+              <a:rPr lang="ja-JP" altLang="en-US" dirty="0" smtClean="0"/>
+              <a:t>次元の配列</a:t>
+            </a:r>
+            <a:r>
+              <a:rPr lang="en-US" altLang="ja-JP" dirty="0" smtClean="0"/>
+              <a:t>(b)</a:t>
+            </a:r>
+            <a:r>
+              <a:rPr lang="ja-JP" altLang="en-US" dirty="0" smtClean="0"/>
+              <a:t>を</a:t>
+            </a:r>
+            <a:r>
+              <a:rPr lang="en-US" altLang="ja-JP" dirty="0" smtClean="0"/>
+              <a:t>X</a:t>
+            </a:r>
+            <a:r>
+              <a:rPr lang="ja-JP" altLang="en-US" dirty="0" smtClean="0"/>
+              <a:t>・</a:t>
+            </a:r>
+            <a:r>
+              <a:rPr lang="en-US" altLang="ja-JP" dirty="0" smtClean="0"/>
+              <a:t>W </a:t>
+            </a:r>
+            <a:r>
+              <a:rPr lang="ja-JP" altLang="en-US" dirty="0" smtClean="0"/>
+              <a:t>と同じ数の列を持つ二次元の行列に追加すると</a:t>
+            </a:r>
+            <a:r>
+              <a:rPr lang="en-US" altLang="ja-JP" dirty="0" smtClean="0"/>
+              <a:t>b</a:t>
+            </a:r>
+            <a:r>
+              <a:rPr lang="ja-JP" altLang="en-US" dirty="0" smtClean="0"/>
+              <a:t>が各行に加えられる操作をさす。</a:t>
+            </a:r>
+            <a:endParaRPr lang="en-US" altLang="ja-JP" dirty="0" smtClean="0"/>
+          </a:p>
+          <a:p>
+            <a:r>
+              <a:rPr lang="en-US" altLang="ja-JP" dirty="0" smtClean="0"/>
+              <a:t> </a:t>
+            </a:r>
+          </a:p>
+          <a:p>
+            <a:endParaRPr lang="en-US" dirty="0"/>
+          </a:p>
+          <a:p>
+            <a:endParaRPr lang="en-US" dirty="0" smtClean="0"/>
+          </a:p>
+          <a:p>
+            <a:endParaRPr lang="en-US" dirty="0"/>
           </a:p>
         </p:txBody>
       </p:sp>
     </p:spTree>
     <p:extLst>
       <p:ext uri="{BB962C8B-B14F-4D97-AF65-F5344CB8AC3E}">
-        <p14:creationId xmlns:p14="http://schemas.microsoft.com/office/powerpoint/2010/main" val="332468291"/>
+        <p14:creationId xmlns:p14="http://schemas.microsoft.com/office/powerpoint/2010/main" val="590735648"/>
       </p:ext>
     </p:extLst>
   </p:cSld>
@@ -17938,6 +18214,501 @@
     <p:extLst>
       <p:ext uri="{BB962C8B-B14F-4D97-AF65-F5344CB8AC3E}">
         <p14:creationId xmlns:p14="http://schemas.microsoft.com/office/powerpoint/2010/main" val="1063627296"/>
+      </p:ext>
+    </p:extLst>
+  </p:cSld>
+  <p:clrMapOvr>
+    <a:masterClrMapping/>
+  </p:clrMapOvr>
+</p:sld>
+</file>
+
+<file path=ppt/slides/slide40.xml><?xml version="1.0" encoding="utf-8"?>
+<p:sld xmlns:a="http://schemas.openxmlformats.org/drawingml/2006/main" xmlns:r="http://schemas.openxmlformats.org/officeDocument/2006/relationships" xmlns:p="http://schemas.openxmlformats.org/presentationml/2006/main">
+  <p:cSld>
+    <p:spTree>
+      <p:nvGrpSpPr>
+        <p:cNvPr id="1" name=""/>
+        <p:cNvGrpSpPr/>
+        <p:nvPr/>
+      </p:nvGrpSpPr>
+      <p:grpSpPr>
+        <a:xfrm>
+          <a:off x="0" y="0"/>
+          <a:ext cx="0" cy="0"/>
+          <a:chOff x="0" y="0"/>
+          <a:chExt cx="0" cy="0"/>
+        </a:xfrm>
+      </p:grpSpPr>
+      <p:sp>
+        <p:nvSpPr>
+          <p:cNvPr id="5" name="TextBox 4"/>
+          <p:cNvSpPr txBox="1"/>
+          <p:nvPr/>
+        </p:nvSpPr>
+        <p:spPr>
+          <a:xfrm>
+            <a:off x="93306" y="93305"/>
+            <a:ext cx="11793894" cy="5355312"/>
+          </a:xfrm>
+          <a:prstGeom prst="rect">
+            <a:avLst/>
+          </a:prstGeom>
+          <a:noFill/>
+        </p:spPr>
+        <p:txBody>
+          <a:bodyPr wrap="square" rtlCol="0">
+            <a:spAutoFit/>
+          </a:bodyPr>
+          <a:lstStyle/>
+          <a:p>
+            <a:r>
+              <a:rPr lang="en-US" dirty="0"/>
+              <a:t>-</a:t>
+            </a:r>
+            <a:r>
+              <a:rPr lang="ja-JP" altLang="en-US" dirty="0"/>
+              <a:t>バックプロパゲーションの別名は？　いつ誰が提唱した？</a:t>
+            </a:r>
+          </a:p>
+          <a:p>
+            <a:r>
+              <a:rPr lang="ja-JP" altLang="en-US" dirty="0"/>
+              <a:t>	リバースモード自動微分を使った勾配降下法</a:t>
+            </a:r>
+          </a:p>
+          <a:p>
+            <a:r>
+              <a:rPr lang="en-US" altLang="ja-JP" dirty="0"/>
+              <a:t>	1986</a:t>
+            </a:r>
+            <a:r>
+              <a:rPr lang="ja-JP" altLang="en-US" dirty="0"/>
+              <a:t>年に</a:t>
+            </a:r>
+            <a:r>
+              <a:rPr lang="en-US" altLang="ja-JP" dirty="0"/>
+              <a:t>D</a:t>
+            </a:r>
+            <a:r>
+              <a:rPr lang="ja-JP" altLang="en-US" dirty="0"/>
+              <a:t>・</a:t>
+            </a:r>
+            <a:r>
+              <a:rPr lang="en-US" altLang="ja-JP" dirty="0"/>
+              <a:t>E</a:t>
+            </a:r>
+            <a:r>
+              <a:rPr lang="ja-JP" altLang="en-US" dirty="0"/>
+              <a:t>・</a:t>
+            </a:r>
+            <a:r>
+              <a:rPr lang="ja-JP" altLang="en-US" dirty="0" smtClean="0"/>
+              <a:t>ハメルハート</a:t>
+            </a:r>
+            <a:endParaRPr lang="en-US" altLang="ja-JP" dirty="0" smtClean="0"/>
+          </a:p>
+          <a:p>
+            <a:endParaRPr lang="en-US" altLang="ja-JP" dirty="0"/>
+          </a:p>
+          <a:p>
+            <a:r>
+              <a:rPr lang="ja-JP" altLang="en-US" dirty="0" smtClean="0"/>
+              <a:t>バックプロパゲーションとは？</a:t>
+            </a:r>
+          </a:p>
+          <a:p>
+            <a:r>
+              <a:rPr lang="ja-JP" altLang="en-US" dirty="0"/>
+              <a:t>	</a:t>
+            </a:r>
+            <a:r>
+              <a:rPr lang="ja-JP" altLang="en-US" dirty="0" smtClean="0"/>
+              <a:t>機械学習の膨大なパラメータを推定するための推定方法</a:t>
+            </a:r>
+            <a:endParaRPr lang="en-US" altLang="ja-JP" dirty="0" smtClean="0"/>
+          </a:p>
+          <a:p>
+            <a:endParaRPr lang="en-US" dirty="0" smtClean="0"/>
+          </a:p>
+          <a:p>
+            <a:r>
+              <a:rPr lang="en-US" dirty="0" smtClean="0"/>
+              <a:t>-</a:t>
+            </a:r>
+            <a:r>
+              <a:rPr lang="ja-JP" altLang="en-US" dirty="0" smtClean="0"/>
+              <a:t>バックプロパゲーションの仕組みは？数式を使わずに説明せよ</a:t>
+            </a:r>
+          </a:p>
+          <a:p>
+            <a:r>
+              <a:rPr lang="ja-JP" altLang="en-US" dirty="0"/>
+              <a:t>	</a:t>
+            </a:r>
+            <a:r>
+              <a:rPr lang="ja-JP" altLang="en-US" dirty="0" smtClean="0"/>
+              <a:t>ここの訓練インスタンスを入力層に入れ、出力層まで計算させる。次に出力層と実際の値との誤差を計算し</a:t>
+            </a:r>
+          </a:p>
+          <a:p>
+            <a:r>
+              <a:rPr lang="ja-JP" altLang="en-US" dirty="0"/>
+              <a:t>	</a:t>
+            </a:r>
+            <a:r>
+              <a:rPr lang="ja-JP" altLang="en-US" dirty="0" smtClean="0"/>
+              <a:t>その誤差は一つ前の隠れ層のどの部分が一番大きな影響を与えているか計算する。</a:t>
+            </a:r>
+          </a:p>
+          <a:p>
+            <a:r>
+              <a:rPr lang="ja-JP" altLang="en-US" dirty="0"/>
+              <a:t>	</a:t>
+            </a:r>
+            <a:r>
+              <a:rPr lang="ja-JP" altLang="en-US" dirty="0" smtClean="0"/>
+              <a:t>それを一番最初まで繰り返しネットワーク全体の誤差勾配を得る。</a:t>
+            </a:r>
+          </a:p>
+          <a:p>
+            <a:r>
+              <a:rPr lang="ja-JP" altLang="en-US" dirty="0"/>
+              <a:t>	</a:t>
+            </a:r>
+            <a:r>
+              <a:rPr lang="ja-JP" altLang="en-US" dirty="0" smtClean="0"/>
+              <a:t>その誤差勾配を用いて勾配降下法を行う。</a:t>
+            </a:r>
+            <a:endParaRPr lang="en-US" altLang="ja-JP" dirty="0" smtClean="0"/>
+          </a:p>
+          <a:p>
+            <a:endParaRPr lang="en-US" altLang="ja-JP" dirty="0"/>
+          </a:p>
+          <a:p>
+            <a:r>
+              <a:rPr lang="en-US" altLang="ja-JP" dirty="0" smtClean="0"/>
+              <a:t>-</a:t>
+            </a:r>
+            <a:r>
+              <a:rPr lang="ja-JP" altLang="en-US" dirty="0" smtClean="0"/>
+              <a:t>バックプロパゲーションとリバースモード自動微分の違いは？</a:t>
+            </a:r>
+            <a:endParaRPr lang="en-US" altLang="ja-JP" dirty="0" smtClean="0"/>
+          </a:p>
+          <a:p>
+            <a:r>
+              <a:rPr lang="en-US" altLang="ja-JP" dirty="0"/>
+              <a:t>	</a:t>
+            </a:r>
+            <a:r>
+              <a:rPr lang="ja-JP" altLang="en-US" dirty="0" smtClean="0"/>
+              <a:t>バックプロパゲーションは機械学習のパラメーターの誤差勾配の計算から勾配降下法を用いたパラメーターの</a:t>
+            </a:r>
+          </a:p>
+          <a:p>
+            <a:r>
+              <a:rPr lang="ja-JP" altLang="en-US" dirty="0"/>
+              <a:t>	</a:t>
+            </a:r>
+            <a:r>
+              <a:rPr lang="ja-JP" altLang="en-US" dirty="0" smtClean="0"/>
+              <a:t>推定までのプロセスを指す。</a:t>
+            </a:r>
+          </a:p>
+          <a:p>
+            <a:r>
+              <a:rPr lang="ja-JP" altLang="en-US" dirty="0"/>
+              <a:t>	</a:t>
+            </a:r>
+            <a:r>
+              <a:rPr lang="ja-JP" altLang="en-US" dirty="0" smtClean="0"/>
+              <a:t>リバースモード自動微分は関数の誤差勾配を計算するための手法であり、バックプロパゲーションの</a:t>
+            </a:r>
+          </a:p>
+          <a:p>
+            <a:r>
+              <a:rPr lang="ja-JP" altLang="en-US" dirty="0"/>
+              <a:t>	</a:t>
+            </a:r>
+            <a:r>
+              <a:rPr lang="ja-JP" altLang="en-US" dirty="0" smtClean="0"/>
+              <a:t>プロセスの一部でしかない。　</a:t>
+            </a:r>
+          </a:p>
+          <a:p>
+            <a:r>
+              <a:rPr lang="ja-JP" altLang="en-US" dirty="0"/>
+              <a:t>	</a:t>
+            </a:r>
+            <a:endParaRPr lang="ja-JP" altLang="en-US" dirty="0" smtClean="0"/>
+          </a:p>
+        </p:txBody>
+      </p:sp>
+    </p:spTree>
+    <p:extLst>
+      <p:ext uri="{BB962C8B-B14F-4D97-AF65-F5344CB8AC3E}">
+        <p14:creationId xmlns:p14="http://schemas.microsoft.com/office/powerpoint/2010/main" val="677135855"/>
+      </p:ext>
+    </p:extLst>
+  </p:cSld>
+  <p:clrMapOvr>
+    <a:masterClrMapping/>
+  </p:clrMapOvr>
+</p:sld>
+</file>
+
+<file path=ppt/slides/slide41.xml><?xml version="1.0" encoding="utf-8"?>
+<p:sld xmlns:a="http://schemas.openxmlformats.org/drawingml/2006/main" xmlns:r="http://schemas.openxmlformats.org/officeDocument/2006/relationships" xmlns:p="http://schemas.openxmlformats.org/presentationml/2006/main">
+  <p:cSld>
+    <p:spTree>
+      <p:nvGrpSpPr>
+        <p:cNvPr id="1" name=""/>
+        <p:cNvGrpSpPr/>
+        <p:nvPr/>
+      </p:nvGrpSpPr>
+      <p:grpSpPr>
+        <a:xfrm>
+          <a:off x="0" y="0"/>
+          <a:ext cx="0" cy="0"/>
+          <a:chOff x="0" y="0"/>
+          <a:chExt cx="0" cy="0"/>
+        </a:xfrm>
+      </p:grpSpPr>
+      <p:sp>
+        <p:nvSpPr>
+          <p:cNvPr id="4" name="TextBox 3"/>
+          <p:cNvSpPr txBox="1"/>
+          <p:nvPr/>
+        </p:nvSpPr>
+        <p:spPr>
+          <a:xfrm>
+            <a:off x="84667" y="186267"/>
+            <a:ext cx="9093900" cy="1477328"/>
+          </a:xfrm>
+          <a:prstGeom prst="rect">
+            <a:avLst/>
+          </a:prstGeom>
+          <a:noFill/>
+        </p:spPr>
+        <p:txBody>
+          <a:bodyPr wrap="none" rtlCol="0">
+            <a:spAutoFit/>
+          </a:bodyPr>
+          <a:lstStyle/>
+          <a:p>
+            <a:r>
+              <a:rPr lang="en-US" dirty="0"/>
+              <a:t>-</a:t>
+            </a:r>
+            <a:r>
+              <a:rPr lang="en-US" dirty="0" smtClean="0"/>
+              <a:t>What I don’t know</a:t>
+            </a:r>
+          </a:p>
+          <a:p>
+            <a:r>
+              <a:rPr lang="en-US" dirty="0"/>
+              <a:t>	</a:t>
+            </a:r>
+            <a:r>
+              <a:rPr lang="ja-JP" altLang="en-US" dirty="0" smtClean="0"/>
+              <a:t>勾配降下法の実装</a:t>
+            </a:r>
+            <a:r>
+              <a:rPr lang="en-US" altLang="ja-JP" dirty="0" smtClean="0"/>
+              <a:t> by my self</a:t>
+            </a:r>
+          </a:p>
+          <a:p>
+            <a:r>
+              <a:rPr lang="en-US" dirty="0"/>
+              <a:t>	</a:t>
+            </a:r>
+            <a:r>
+              <a:rPr lang="ja-JP" altLang="en-US" dirty="0" smtClean="0"/>
+              <a:t>リバースモード自動微分の具体的な関数の計算</a:t>
+            </a:r>
+          </a:p>
+          <a:p>
+            <a:r>
+              <a:rPr lang="ja-JP" altLang="en-US" dirty="0"/>
+              <a:t>	</a:t>
+            </a:r>
+            <a:r>
+              <a:rPr lang="ja-JP" altLang="en-US" dirty="0" smtClean="0"/>
+              <a:t>切断正規分布とは？</a:t>
+            </a:r>
+          </a:p>
+          <a:p>
+            <a:r>
+              <a:rPr lang="ja-JP" altLang="en-US" dirty="0"/>
+              <a:t>	</a:t>
+            </a:r>
+            <a:r>
+              <a:rPr lang="en-US" altLang="ja-JP" dirty="0" smtClean="0"/>
+              <a:t>2</a:t>
+            </a:r>
+            <a:r>
+              <a:rPr lang="ja-JP" altLang="en-US" dirty="0" smtClean="0"/>
+              <a:t>章ランダムサーチ、</a:t>
+            </a:r>
+            <a:r>
+              <a:rPr lang="en-US" altLang="ja-JP" dirty="0" smtClean="0"/>
+              <a:t>Oscar( </a:t>
+            </a:r>
+            <a:r>
+              <a:rPr lang="ja-JP" altLang="en-US" dirty="0" smtClean="0"/>
+              <a:t>複雑なハイパーパラメータの良い組み合わせの発見</a:t>
+            </a:r>
+            <a:r>
+              <a:rPr lang="en-US" altLang="ja-JP" smtClean="0"/>
+              <a:t>)</a:t>
+            </a:r>
+            <a:endParaRPr lang="en-US" dirty="0" smtClean="0"/>
+          </a:p>
+        </p:txBody>
+      </p:sp>
+    </p:spTree>
+    <p:extLst>
+      <p:ext uri="{BB962C8B-B14F-4D97-AF65-F5344CB8AC3E}">
+        <p14:creationId xmlns:p14="http://schemas.microsoft.com/office/powerpoint/2010/main" val="1106469532"/>
+      </p:ext>
+    </p:extLst>
+  </p:cSld>
+  <p:clrMapOvr>
+    <a:masterClrMapping/>
+  </p:clrMapOvr>
+</p:sld>
+</file>
+
+<file path=ppt/slides/slide42.xml><?xml version="1.0" encoding="utf-8"?>
+<p:sld xmlns:a="http://schemas.openxmlformats.org/drawingml/2006/main" xmlns:r="http://schemas.openxmlformats.org/officeDocument/2006/relationships" xmlns:p="http://schemas.openxmlformats.org/presentationml/2006/main">
+  <p:cSld>
+    <p:spTree>
+      <p:nvGrpSpPr>
+        <p:cNvPr id="1" name=""/>
+        <p:cNvGrpSpPr/>
+        <p:nvPr/>
+      </p:nvGrpSpPr>
+      <p:grpSpPr>
+        <a:xfrm>
+          <a:off x="0" y="0"/>
+          <a:ext cx="0" cy="0"/>
+          <a:chOff x="0" y="0"/>
+          <a:chExt cx="0" cy="0"/>
+        </a:xfrm>
+      </p:grpSpPr>
+      <p:sp>
+        <p:nvSpPr>
+          <p:cNvPr id="2" name="Title 1"/>
+          <p:cNvSpPr>
+            <a:spLocks noGrp="1"/>
+          </p:cNvSpPr>
+          <p:nvPr>
+            <p:ph type="title"/>
+          </p:nvPr>
+        </p:nvSpPr>
+        <p:spPr/>
+        <p:txBody>
+          <a:bodyPr/>
+          <a:lstStyle/>
+          <a:p>
+            <a:endParaRPr lang="en-US"/>
+          </a:p>
+        </p:txBody>
+      </p:sp>
+      <p:sp>
+        <p:nvSpPr>
+          <p:cNvPr id="3" name="Content Placeholder 2"/>
+          <p:cNvSpPr>
+            <a:spLocks noGrp="1"/>
+          </p:cNvSpPr>
+          <p:nvPr>
+            <p:ph idx="1"/>
+          </p:nvPr>
+        </p:nvSpPr>
+        <p:spPr/>
+        <p:txBody>
+          <a:bodyPr/>
+          <a:lstStyle/>
+          <a:p>
+            <a:endParaRPr lang="en-US"/>
+          </a:p>
+        </p:txBody>
+      </p:sp>
+    </p:spTree>
+    <p:extLst>
+      <p:ext uri="{BB962C8B-B14F-4D97-AF65-F5344CB8AC3E}">
+        <p14:creationId xmlns:p14="http://schemas.microsoft.com/office/powerpoint/2010/main" val="511495776"/>
+      </p:ext>
+    </p:extLst>
+  </p:cSld>
+  <p:clrMapOvr>
+    <a:masterClrMapping/>
+  </p:clrMapOvr>
+</p:sld>
+</file>
+
+<file path=ppt/slides/slide43.xml><?xml version="1.0" encoding="utf-8"?>
+<p:sld xmlns:a="http://schemas.openxmlformats.org/drawingml/2006/main" xmlns:r="http://schemas.openxmlformats.org/officeDocument/2006/relationships" xmlns:p="http://schemas.openxmlformats.org/presentationml/2006/main">
+  <p:cSld>
+    <p:spTree>
+      <p:nvGrpSpPr>
+        <p:cNvPr id="1" name=""/>
+        <p:cNvGrpSpPr/>
+        <p:nvPr/>
+      </p:nvGrpSpPr>
+      <p:grpSpPr>
+        <a:xfrm>
+          <a:off x="0" y="0"/>
+          <a:ext cx="0" cy="0"/>
+          <a:chOff x="0" y="0"/>
+          <a:chExt cx="0" cy="0"/>
+        </a:xfrm>
+      </p:grpSpPr>
+      <p:sp>
+        <p:nvSpPr>
+          <p:cNvPr id="2" name="Title 1"/>
+          <p:cNvSpPr>
+            <a:spLocks noGrp="1"/>
+          </p:cNvSpPr>
+          <p:nvPr>
+            <p:ph type="title"/>
+          </p:nvPr>
+        </p:nvSpPr>
+        <p:spPr/>
+        <p:txBody>
+          <a:bodyPr/>
+          <a:lstStyle/>
+          <a:p>
+            <a:endParaRPr lang="en-US"/>
+          </a:p>
+        </p:txBody>
+      </p:sp>
+      <p:sp>
+        <p:nvSpPr>
+          <p:cNvPr id="3" name="Content Placeholder 2"/>
+          <p:cNvSpPr>
+            <a:spLocks noGrp="1"/>
+          </p:cNvSpPr>
+          <p:nvPr>
+            <p:ph idx="1"/>
+          </p:nvPr>
+        </p:nvSpPr>
+        <p:spPr/>
+        <p:txBody>
+          <a:bodyPr/>
+          <a:lstStyle/>
+          <a:p>
+            <a:endParaRPr lang="en-US"/>
+          </a:p>
+        </p:txBody>
+      </p:sp>
+    </p:spTree>
+    <p:extLst>
+      <p:ext uri="{BB962C8B-B14F-4D97-AF65-F5344CB8AC3E}">
+        <p14:creationId xmlns:p14="http://schemas.microsoft.com/office/powerpoint/2010/main" val="332468291"/>
       </p:ext>
     </p:extLst>
   </p:cSld>
